--- a/plots/figure-prediction-rdi-band/prediction-rdi-band.pptx
+++ b/plots/figure-prediction-rdi-band/prediction-rdi-band.pptx
@@ -272,7 +272,7 @@
           <a:p>
             <a:fld id="{87BF5B85-8F2D-A94D-80F6-8FFE5308B165}" type="datetimeFigureOut">
               <a:rPr lang="en-US" smtClean="0"/>
-              <a:t>1/23/24</a:t>
+              <a:t>1/28/24</a:t>
             </a:fld>
             <a:endParaRPr lang="en-US"/>
           </a:p>
@@ -472,7 +472,7 @@
           <a:p>
             <a:fld id="{87BF5B85-8F2D-A94D-80F6-8FFE5308B165}" type="datetimeFigureOut">
               <a:rPr lang="en-US" smtClean="0"/>
-              <a:t>1/23/24</a:t>
+              <a:t>1/28/24</a:t>
             </a:fld>
             <a:endParaRPr lang="en-US"/>
           </a:p>
@@ -682,7 +682,7 @@
           <a:p>
             <a:fld id="{87BF5B85-8F2D-A94D-80F6-8FFE5308B165}" type="datetimeFigureOut">
               <a:rPr lang="en-US" smtClean="0"/>
-              <a:t>1/23/24</a:t>
+              <a:t>1/28/24</a:t>
             </a:fld>
             <a:endParaRPr lang="en-US"/>
           </a:p>
@@ -882,7 +882,7 @@
           <a:p>
             <a:fld id="{87BF5B85-8F2D-A94D-80F6-8FFE5308B165}" type="datetimeFigureOut">
               <a:rPr lang="en-US" smtClean="0"/>
-              <a:t>1/23/24</a:t>
+              <a:t>1/28/24</a:t>
             </a:fld>
             <a:endParaRPr lang="en-US"/>
           </a:p>
@@ -1158,7 +1158,7 @@
           <a:p>
             <a:fld id="{87BF5B85-8F2D-A94D-80F6-8FFE5308B165}" type="datetimeFigureOut">
               <a:rPr lang="en-US" smtClean="0"/>
-              <a:t>1/23/24</a:t>
+              <a:t>1/28/24</a:t>
             </a:fld>
             <a:endParaRPr lang="en-US"/>
           </a:p>
@@ -1426,7 +1426,7 @@
           <a:p>
             <a:fld id="{87BF5B85-8F2D-A94D-80F6-8FFE5308B165}" type="datetimeFigureOut">
               <a:rPr lang="en-US" smtClean="0"/>
-              <a:t>1/23/24</a:t>
+              <a:t>1/28/24</a:t>
             </a:fld>
             <a:endParaRPr lang="en-US"/>
           </a:p>
@@ -1841,7 +1841,7 @@
           <a:p>
             <a:fld id="{87BF5B85-8F2D-A94D-80F6-8FFE5308B165}" type="datetimeFigureOut">
               <a:rPr lang="en-US" smtClean="0"/>
-              <a:t>1/23/24</a:t>
+              <a:t>1/28/24</a:t>
             </a:fld>
             <a:endParaRPr lang="en-US"/>
           </a:p>
@@ -1983,7 +1983,7 @@
           <a:p>
             <a:fld id="{87BF5B85-8F2D-A94D-80F6-8FFE5308B165}" type="datetimeFigureOut">
               <a:rPr lang="en-US" smtClean="0"/>
-              <a:t>1/23/24</a:t>
+              <a:t>1/28/24</a:t>
             </a:fld>
             <a:endParaRPr lang="en-US"/>
           </a:p>
@@ -2096,7 +2096,7 @@
           <a:p>
             <a:fld id="{87BF5B85-8F2D-A94D-80F6-8FFE5308B165}" type="datetimeFigureOut">
               <a:rPr lang="en-US" smtClean="0"/>
-              <a:t>1/23/24</a:t>
+              <a:t>1/28/24</a:t>
             </a:fld>
             <a:endParaRPr lang="en-US"/>
           </a:p>
@@ -2409,7 +2409,7 @@
           <a:p>
             <a:fld id="{87BF5B85-8F2D-A94D-80F6-8FFE5308B165}" type="datetimeFigureOut">
               <a:rPr lang="en-US" smtClean="0"/>
-              <a:t>1/23/24</a:t>
+              <a:t>1/28/24</a:t>
             </a:fld>
             <a:endParaRPr lang="en-US"/>
           </a:p>
@@ -2698,7 +2698,7 @@
           <a:p>
             <a:fld id="{87BF5B85-8F2D-A94D-80F6-8FFE5308B165}" type="datetimeFigureOut">
               <a:rPr lang="en-US" smtClean="0"/>
-              <a:t>1/23/24</a:t>
+              <a:t>1/28/24</a:t>
             </a:fld>
             <a:endParaRPr lang="en-US"/>
           </a:p>
@@ -2941,7 +2941,7 @@
           <a:p>
             <a:fld id="{87BF5B85-8F2D-A94D-80F6-8FFE5308B165}" type="datetimeFigureOut">
               <a:rPr lang="en-US" smtClean="0"/>
-              <a:t>1/23/24</a:t>
+              <a:t>1/28/24</a:t>
             </a:fld>
             <a:endParaRPr lang="en-US"/>
           </a:p>
@@ -3411,7 +3411,7 @@
         <p:spPr>
           <a:xfrm>
             <a:off x="1689931" y="910492"/>
-            <a:ext cx="3317946" cy="2760937"/>
+            <a:ext cx="3335120" cy="2760937"/>
           </a:xfrm>
           <a:prstGeom prst="rect">
             <a:avLst/>
@@ -3492,8 +3492,8 @@
         </p:blipFill>
         <p:spPr>
           <a:xfrm>
-            <a:off x="1715476" y="3512647"/>
-            <a:ext cx="3352872" cy="2752921"/>
+            <a:off x="1687215" y="3512647"/>
+            <a:ext cx="3337836" cy="2752921"/>
           </a:xfrm>
           <a:prstGeom prst="rect">
             <a:avLst/>
@@ -3622,7 +3622,7 @@
         </p:nvSpPr>
         <p:spPr>
           <a:xfrm>
-            <a:off x="3867406" y="1084276"/>
+            <a:off x="3877916" y="1094786"/>
             <a:ext cx="874645" cy="194278"/>
           </a:xfrm>
           <a:prstGeom prst="homePlate">
@@ -3688,7 +3688,7 @@
         </p:nvSpPr>
         <p:spPr>
           <a:xfrm flipH="1">
-            <a:off x="3041619" y="1084276"/>
+            <a:off x="3052129" y="1094786"/>
             <a:ext cx="874645" cy="194278"/>
           </a:xfrm>
           <a:prstGeom prst="homePlate">
@@ -3890,8 +3890,8 @@
         </p:blipFill>
         <p:spPr>
           <a:xfrm>
-            <a:off x="4896999" y="3499966"/>
-            <a:ext cx="3173538" cy="2752881"/>
+            <a:off x="4895218" y="3491106"/>
+            <a:ext cx="3196538" cy="2752881"/>
           </a:xfrm>
           <a:prstGeom prst="rect">
             <a:avLst/>
